--- a/deliverables/Mid Bootcamp Project.pptx
+++ b/deliverables/Mid Bootcamp Project.pptx
@@ -6531,11 +6531,6 @@
               </a:rPr>
               <a:t>github.com/gustavossbarros</a:t>
             </a:r>
-            <a:endParaRPr lang="pt-BR" sz="2400" dirty="0" smtClean="0">
-              <a:solidFill>
-                <a:schemeClr val="tx1"/>
-              </a:solidFill>
-            </a:endParaRPr>
           </a:p>
         </p:txBody>
       </p:sp>
@@ -8776,37 +8771,18 @@
               <a:buNone/>
             </a:pPr>
             <a:r>
-              <a:rPr lang="pt-BR" sz="2800" dirty="0" err="1" smtClean="0">
-                <a:solidFill>
-                  <a:schemeClr val="tx1"/>
-                </a:solidFill>
-              </a:rPr>
-              <a:t>Logistic</a:t>
-            </a:r>
-            <a:r>
               <a:rPr lang="pt-BR" sz="2800" dirty="0" smtClean="0">
                 <a:solidFill>
                   <a:schemeClr val="tx1"/>
                 </a:solidFill>
               </a:rPr>
-              <a:t> </a:t>
-            </a:r>
-            <a:r>
-              <a:rPr lang="pt-BR" sz="2800" dirty="0" err="1" smtClean="0">
-                <a:solidFill>
-                  <a:schemeClr val="tx1"/>
-                </a:solidFill>
-              </a:rPr>
-              <a:t>Regression</a:t>
-            </a:r>
-            <a:r>
-              <a:rPr lang="pt-BR" sz="2800" dirty="0" smtClean="0">
-                <a:solidFill>
-                  <a:schemeClr val="tx1"/>
-                </a:solidFill>
-              </a:rPr>
-              <a:t>!</a:t>
-            </a:r>
+              <a:t>KNN!</a:t>
+            </a:r>
+            <a:endParaRPr lang="pt-BR" sz="2800" dirty="0" smtClean="0">
+              <a:solidFill>
+                <a:schemeClr val="tx1"/>
+              </a:solidFill>
+            </a:endParaRPr>
           </a:p>
         </p:txBody>
       </p:sp>
